--- a/slides/GED_Python_Workgroup_2018_01_16.pptx
+++ b/slides/GED_Python_Workgroup_2018_01_16.pptx
@@ -253,7 +253,7 @@
           <a:p>
             <a:fld id="{008BD8B9-5B15-4C0C-9B4A-FA7DA058E908}" type="datetimeFigureOut">
               <a:rPr lang="en-US" smtClean="0"/>
-              <a:t>1/4/2018</a:t>
+              <a:t>1/11/2018</a:t>
             </a:fld>
             <a:endParaRPr lang="en-US"/>
           </a:p>
@@ -421,7 +421,7 @@
           <a:p>
             <a:fld id="{008BD8B9-5B15-4C0C-9B4A-FA7DA058E908}" type="datetimeFigureOut">
               <a:rPr lang="en-US" smtClean="0"/>
-              <a:t>1/4/2018</a:t>
+              <a:t>1/11/2018</a:t>
             </a:fld>
             <a:endParaRPr lang="en-US"/>
           </a:p>
@@ -599,7 +599,7 @@
           <a:p>
             <a:fld id="{008BD8B9-5B15-4C0C-9B4A-FA7DA058E908}" type="datetimeFigureOut">
               <a:rPr lang="en-US" smtClean="0"/>
-              <a:t>1/4/2018</a:t>
+              <a:t>1/11/2018</a:t>
             </a:fld>
             <a:endParaRPr lang="en-US"/>
           </a:p>
@@ -767,7 +767,7 @@
           <a:p>
             <a:fld id="{008BD8B9-5B15-4C0C-9B4A-FA7DA058E908}" type="datetimeFigureOut">
               <a:rPr lang="en-US" smtClean="0"/>
-              <a:t>1/4/2018</a:t>
+              <a:t>1/11/2018</a:t>
             </a:fld>
             <a:endParaRPr lang="en-US"/>
           </a:p>
@@ -1012,7 +1012,7 @@
           <a:p>
             <a:fld id="{008BD8B9-5B15-4C0C-9B4A-FA7DA058E908}" type="datetimeFigureOut">
               <a:rPr lang="en-US" smtClean="0"/>
-              <a:t>1/4/2018</a:t>
+              <a:t>1/11/2018</a:t>
             </a:fld>
             <a:endParaRPr lang="en-US"/>
           </a:p>
@@ -1241,7 +1241,7 @@
           <a:p>
             <a:fld id="{008BD8B9-5B15-4C0C-9B4A-FA7DA058E908}" type="datetimeFigureOut">
               <a:rPr lang="en-US" smtClean="0"/>
-              <a:t>1/4/2018</a:t>
+              <a:t>1/11/2018</a:t>
             </a:fld>
             <a:endParaRPr lang="en-US"/>
           </a:p>
@@ -1605,7 +1605,7 @@
           <a:p>
             <a:fld id="{008BD8B9-5B15-4C0C-9B4A-FA7DA058E908}" type="datetimeFigureOut">
               <a:rPr lang="en-US" smtClean="0"/>
-              <a:t>1/4/2018</a:t>
+              <a:t>1/11/2018</a:t>
             </a:fld>
             <a:endParaRPr lang="en-US"/>
           </a:p>
@@ -1722,7 +1722,7 @@
           <a:p>
             <a:fld id="{008BD8B9-5B15-4C0C-9B4A-FA7DA058E908}" type="datetimeFigureOut">
               <a:rPr lang="en-US" smtClean="0"/>
-              <a:t>1/4/2018</a:t>
+              <a:t>1/11/2018</a:t>
             </a:fld>
             <a:endParaRPr lang="en-US"/>
           </a:p>
@@ -1817,7 +1817,7 @@
           <a:p>
             <a:fld id="{008BD8B9-5B15-4C0C-9B4A-FA7DA058E908}" type="datetimeFigureOut">
               <a:rPr lang="en-US" smtClean="0"/>
-              <a:t>1/4/2018</a:t>
+              <a:t>1/11/2018</a:t>
             </a:fld>
             <a:endParaRPr lang="en-US"/>
           </a:p>
@@ -2092,7 +2092,7 @@
           <a:p>
             <a:fld id="{008BD8B9-5B15-4C0C-9B4A-FA7DA058E908}" type="datetimeFigureOut">
               <a:rPr lang="en-US" smtClean="0"/>
-              <a:t>1/4/2018</a:t>
+              <a:t>1/11/2018</a:t>
             </a:fld>
             <a:endParaRPr lang="en-US"/>
           </a:p>
@@ -2344,7 +2344,7 @@
           <a:p>
             <a:fld id="{008BD8B9-5B15-4C0C-9B4A-FA7DA058E908}" type="datetimeFigureOut">
               <a:rPr lang="en-US" smtClean="0"/>
-              <a:t>1/4/2018</a:t>
+              <a:t>1/11/2018</a:t>
             </a:fld>
             <a:endParaRPr lang="en-US"/>
           </a:p>
@@ -2555,7 +2555,7 @@
           <a:p>
             <a:fld id="{008BD8B9-5B15-4C0C-9B4A-FA7DA058E908}" type="datetimeFigureOut">
               <a:rPr lang="en-US" smtClean="0"/>
-              <a:t>1/4/2018</a:t>
+              <a:t>1/11/2018</a:t>
             </a:fld>
             <a:endParaRPr lang="en-US"/>
           </a:p>
@@ -3076,9 +3076,16 @@
             <p:ph idx="1"/>
           </p:nvPr>
         </p:nvSpPr>
-        <p:spPr/>
-        <p:txBody>
-          <a:bodyPr/>
+        <p:spPr>
+          <a:xfrm>
+            <a:off x="838200" y="1690688"/>
+            <a:ext cx="10515600" cy="4486275"/>
+          </a:xfrm>
+        </p:spPr>
+        <p:txBody>
+          <a:bodyPr>
+            <a:normAutofit fontScale="92500" lnSpcReduction="10000"/>
+          </a:bodyPr>
           <a:lstStyle/>
           <a:p>
             <a:r>
@@ -3112,6 +3119,57 @@
               <a:rPr lang="en-US" dirty="0"/>
               <a:t>Lesson 4 - Functions</a:t>
             </a:r>
+          </a:p>
+          <a:p>
+            <a:pPr lvl="1"/>
+            <a:r>
+              <a:rPr lang="en-US" dirty="0"/>
+              <a:t>Functions</a:t>
+            </a:r>
+          </a:p>
+          <a:p>
+            <a:pPr lvl="1"/>
+            <a:r>
+              <a:rPr lang="en-US" dirty="0"/>
+              <a:t>Imports (Functions in modules)</a:t>
+            </a:r>
+          </a:p>
+          <a:p>
+            <a:r>
+              <a:rPr lang="en-US" dirty="0"/>
+              <a:t>Lesson 5 – Lists</a:t>
+            </a:r>
+          </a:p>
+          <a:p>
+            <a:pPr lvl="1"/>
+            <a:r>
+              <a:rPr lang="en-US" dirty="0"/>
+              <a:t>Lists</a:t>
+            </a:r>
+          </a:p>
+          <a:p>
+            <a:pPr lvl="1"/>
+            <a:r>
+              <a:rPr lang="en-US" dirty="0"/>
+              <a:t>Lists indexing</a:t>
+            </a:r>
+          </a:p>
+          <a:p>
+            <a:pPr lvl="1"/>
+            <a:r>
+              <a:rPr lang="en-US" dirty="0"/>
+              <a:t>Loops over lists</a:t>
+            </a:r>
+          </a:p>
+          <a:p>
+            <a:pPr lvl="1"/>
+            <a:r>
+              <a:rPr lang="en-US" dirty="0"/>
+              <a:t>Dictionaries</a:t>
+            </a:r>
+          </a:p>
+          <a:p>
+            <a:endParaRPr lang="en-US" dirty="0"/>
           </a:p>
         </p:txBody>
       </p:sp>
@@ -3431,7 +3489,7 @@
 </file>
 
 <file path=customXml/itemProps1.xml><?xml version="1.0" encoding="utf-8"?>
-<ds:datastoreItem xmlns:ds="http://schemas.openxmlformats.org/officeDocument/2006/customXml" ds:itemID="{58F034F4-E746-4292-89CB-D97D41E10519}">
+<ds:datastoreItem xmlns:ds="http://schemas.openxmlformats.org/officeDocument/2006/customXml" ds:itemID="{48E7128A-1DDD-4E18-80D5-A9E7FC69C720}">
   <ds:schemaRefs>
     <ds:schemaRef ds:uri="ESRI.ArcGIS.Mapping.OfficeIntegration.PowerPointInfo"/>
   </ds:schemaRefs>

--- a/slides/GED_Python_Workgroup_2018_01_16.pptx
+++ b/slides/GED_Python_Workgroup_2018_01_16.pptx
@@ -253,7 +253,7 @@
           <a:p>
             <a:fld id="{008BD8B9-5B15-4C0C-9B4A-FA7DA058E908}" type="datetimeFigureOut">
               <a:rPr lang="en-US" smtClean="0"/>
-              <a:t>1/11/2018</a:t>
+              <a:t>1/25/2018</a:t>
             </a:fld>
             <a:endParaRPr lang="en-US"/>
           </a:p>
@@ -421,7 +421,7 @@
           <a:p>
             <a:fld id="{008BD8B9-5B15-4C0C-9B4A-FA7DA058E908}" type="datetimeFigureOut">
               <a:rPr lang="en-US" smtClean="0"/>
-              <a:t>1/11/2018</a:t>
+              <a:t>1/25/2018</a:t>
             </a:fld>
             <a:endParaRPr lang="en-US"/>
           </a:p>
@@ -599,7 +599,7 @@
           <a:p>
             <a:fld id="{008BD8B9-5B15-4C0C-9B4A-FA7DA058E908}" type="datetimeFigureOut">
               <a:rPr lang="en-US" smtClean="0"/>
-              <a:t>1/11/2018</a:t>
+              <a:t>1/25/2018</a:t>
             </a:fld>
             <a:endParaRPr lang="en-US"/>
           </a:p>
@@ -767,7 +767,7 @@
           <a:p>
             <a:fld id="{008BD8B9-5B15-4C0C-9B4A-FA7DA058E908}" type="datetimeFigureOut">
               <a:rPr lang="en-US" smtClean="0"/>
-              <a:t>1/11/2018</a:t>
+              <a:t>1/25/2018</a:t>
             </a:fld>
             <a:endParaRPr lang="en-US"/>
           </a:p>
@@ -1012,7 +1012,7 @@
           <a:p>
             <a:fld id="{008BD8B9-5B15-4C0C-9B4A-FA7DA058E908}" type="datetimeFigureOut">
               <a:rPr lang="en-US" smtClean="0"/>
-              <a:t>1/11/2018</a:t>
+              <a:t>1/25/2018</a:t>
             </a:fld>
             <a:endParaRPr lang="en-US"/>
           </a:p>
@@ -1241,7 +1241,7 @@
           <a:p>
             <a:fld id="{008BD8B9-5B15-4C0C-9B4A-FA7DA058E908}" type="datetimeFigureOut">
               <a:rPr lang="en-US" smtClean="0"/>
-              <a:t>1/11/2018</a:t>
+              <a:t>1/25/2018</a:t>
             </a:fld>
             <a:endParaRPr lang="en-US"/>
           </a:p>
@@ -1605,7 +1605,7 @@
           <a:p>
             <a:fld id="{008BD8B9-5B15-4C0C-9B4A-FA7DA058E908}" type="datetimeFigureOut">
               <a:rPr lang="en-US" smtClean="0"/>
-              <a:t>1/11/2018</a:t>
+              <a:t>1/25/2018</a:t>
             </a:fld>
             <a:endParaRPr lang="en-US"/>
           </a:p>
@@ -1722,7 +1722,7 @@
           <a:p>
             <a:fld id="{008BD8B9-5B15-4C0C-9B4A-FA7DA058E908}" type="datetimeFigureOut">
               <a:rPr lang="en-US" smtClean="0"/>
-              <a:t>1/11/2018</a:t>
+              <a:t>1/25/2018</a:t>
             </a:fld>
             <a:endParaRPr lang="en-US"/>
           </a:p>
@@ -1817,7 +1817,7 @@
           <a:p>
             <a:fld id="{008BD8B9-5B15-4C0C-9B4A-FA7DA058E908}" type="datetimeFigureOut">
               <a:rPr lang="en-US" smtClean="0"/>
-              <a:t>1/11/2018</a:t>
+              <a:t>1/25/2018</a:t>
             </a:fld>
             <a:endParaRPr lang="en-US"/>
           </a:p>
@@ -2092,7 +2092,7 @@
           <a:p>
             <a:fld id="{008BD8B9-5B15-4C0C-9B4A-FA7DA058E908}" type="datetimeFigureOut">
               <a:rPr lang="en-US" smtClean="0"/>
-              <a:t>1/11/2018</a:t>
+              <a:t>1/25/2018</a:t>
             </a:fld>
             <a:endParaRPr lang="en-US"/>
           </a:p>
@@ -2344,7 +2344,7 @@
           <a:p>
             <a:fld id="{008BD8B9-5B15-4C0C-9B4A-FA7DA058E908}" type="datetimeFigureOut">
               <a:rPr lang="en-US" smtClean="0"/>
-              <a:t>1/11/2018</a:t>
+              <a:t>1/25/2018</a:t>
             </a:fld>
             <a:endParaRPr lang="en-US"/>
           </a:p>
@@ -2555,7 +2555,7 @@
           <a:p>
             <a:fld id="{008BD8B9-5B15-4C0C-9B4A-FA7DA058E908}" type="datetimeFigureOut">
               <a:rPr lang="en-US" smtClean="0"/>
-              <a:t>1/11/2018</a:t>
+              <a:t>1/25/2018</a:t>
             </a:fld>
             <a:endParaRPr lang="en-US"/>
           </a:p>
@@ -3489,7 +3489,7 @@
 </file>
 
 <file path=customXml/itemProps1.xml><?xml version="1.0" encoding="utf-8"?>
-<ds:datastoreItem xmlns:ds="http://schemas.openxmlformats.org/officeDocument/2006/customXml" ds:itemID="{48E7128A-1DDD-4E18-80D5-A9E7FC69C720}">
+<ds:datastoreItem xmlns:ds="http://schemas.openxmlformats.org/officeDocument/2006/customXml" ds:itemID="{DCC5723F-8CFC-4B80-9E06-01790DC43BCB}">
   <ds:schemaRefs>
     <ds:schemaRef ds:uri="ESRI.ArcGIS.Mapping.OfficeIntegration.PowerPointInfo"/>
   </ds:schemaRefs>
